--- a/pertemuan_7/Pertemuan_7.pptx
+++ b/pertemuan_7/Pertemuan_7.pptx
@@ -4026,7 +4026,7 @@
         <p:spPr>
           <a:xfrm>
             <a:off x="1772920" y="5477510"/>
-            <a:ext cx="692785" cy="368300"/>
+            <a:ext cx="762635" cy="368300"/>
           </a:xfrm>
           <a:prstGeom prst="rect">
             <a:avLst/>
@@ -4042,7 +4042,7 @@
               <a:rPr lang="en-US">
                 <a:sym typeface="+mn-ea"/>
               </a:rPr>
-              <a:t>client</a:t>
+              <a:t>server</a:t>
             </a:r>
             <a:endParaRPr lang="en-US"/>
           </a:p>
@@ -4057,7 +4057,7 @@
         <p:spPr>
           <a:xfrm>
             <a:off x="6480175" y="5465445"/>
-            <a:ext cx="762635" cy="368300"/>
+            <a:ext cx="692785" cy="368300"/>
           </a:xfrm>
           <a:prstGeom prst="rect">
             <a:avLst/>
@@ -4073,7 +4073,7 @@
               <a:rPr lang="en-US">
                 <a:sym typeface="+mn-ea"/>
               </a:rPr>
-              <a:t>server</a:t>
+              <a:t>client</a:t>
             </a:r>
             <a:endParaRPr lang="en-US"/>
           </a:p>
@@ -6562,12 +6562,12 @@
             </a:r>
             <a:r>
               <a:rPr lang="en-US">
-                <a:hlinkClick r:id="rId2" tooltip="" action="ppaction://hlinkfile"/>
+                <a:hlinkClick r:id="rId2" action="ppaction://hlinkfile"/>
               </a:rPr>
               <a:t>https://adminlte.io/themes/v3/</a:t>
             </a:r>
             <a:endParaRPr lang="en-US">
-              <a:hlinkClick r:id="rId2" tooltip="" action="ppaction://hlinkfile"/>
+              <a:hlinkClick r:id="rId2" action="ppaction://hlinkfile"/>
             </a:endParaRPr>
           </a:p>
           <a:p>
@@ -6577,12 +6577,12 @@
             </a:r>
             <a:r>
               <a:rPr lang="en-US">
-                <a:hlinkClick r:id="rId3" tooltip="" action="ppaction://hlinkfile"/>
+                <a:hlinkClick r:id="rId3" action="ppaction://hlinkfile"/>
               </a:rPr>
               <a:t>https://adminlte.io/</a:t>
             </a:r>
             <a:endParaRPr lang="en-US">
-              <a:hlinkClick r:id="rId3" tooltip="" action="ppaction://hlinkfile"/>
+              <a:hlinkClick r:id="rId3" action="ppaction://hlinkfile"/>
             </a:endParaRPr>
           </a:p>
           <a:p>
@@ -6592,7 +6592,7 @@
             </a:r>
             <a:r>
               <a:rPr lang="en-US">
-                <a:hlinkClick r:id="rId4" tooltip="" action="ppaction://hlinkfile"/>
+                <a:hlinkClick r:id="rId4" action="ppaction://hlinkfile"/>
               </a:rPr>
               <a:t>https://adminlte.io/docs/3.1/</a:t>
             </a:r>
@@ -10542,7 +10542,7 @@
                   <a:schemeClr val="tx1"/>
                 </a:solidFill>
                 <a:sym typeface="+mn-ea"/>
-                <a:hlinkClick r:id="rId1" tooltip="" action="ppaction://hlinkfile"/>
+                <a:hlinkClick r:id="rId1" action="ppaction://hlinkfile"/>
               </a:rPr>
               <a:t>https://cdnjs.com/libraries/smalot-bootstrap-datetimepicker</a:t>
             </a:r>
@@ -11484,7 +11484,7 @@
           <a:p>
             <a:r>
               <a:rPr lang="en-US">
-                <a:hlinkClick r:id="rId1" tooltip="" action="ppaction://hlinkfile"/>
+                <a:hlinkClick r:id="rId1" action="ppaction://hlinkfile"/>
               </a:rPr>
               <a:t>https://www.chartjs.org</a:t>
             </a:r>
@@ -11731,7 +11731,7 @@
             <a:r>
               <a:rPr lang="en-US" sz="2000">
                 <a:sym typeface="+mn-ea"/>
-                <a:hlinkClick r:id="rId3" tooltip="" action="ppaction://hlinkfile"/>
+                <a:hlinkClick r:id="rId3" action="ppaction://hlinkfile"/>
               </a:rPr>
               <a:t>https://cdnjs.com/libraries/Chart.js/</a:t>
             </a:r>
@@ -13761,7 +13761,7 @@
             </a:r>
             <a:r>
               <a:rPr lang="en-US" sz="2400">
-                <a:hlinkClick r:id="rId1" tooltip="" action="ppaction://hlinkfile"/>
+                <a:hlinkClick r:id="rId1" action="ppaction://hlinkfile"/>
               </a:rPr>
               <a:t>https://socket.io/</a:t>
             </a:r>
@@ -16271,7 +16271,7 @@
                   <a:schemeClr val="tx1"/>
                 </a:solidFill>
                 <a:sym typeface="+mn-ea"/>
-                <a:hlinkClick r:id="rId1" tooltip="" action="ppaction://hlinkfile"/>
+                <a:hlinkClick r:id="rId1" action="ppaction://hlinkfile"/>
               </a:rPr>
               <a:t>https://www.chartjs.org/docs/2.8.0/axes/cartesian/time.html</a:t>
             </a:r>
